--- a/Project/HR.pptx
+++ b/Project/HR.pptx
@@ -21,6 +21,9 @@
     <p:sldId id="269" r:id="rId19"/>
     <p:sldId id="270" r:id="rId20"/>
     <p:sldId id="271" r:id="rId21"/>
+    <p:sldId id="272" r:id="rId22"/>
+    <p:sldId id="273" r:id="rId23"/>
+    <p:sldId id="274" r:id="rId24"/>
   </p:sldIdLst>
   <p:sldSz cx="12192000" cy="6858000"/>
   <p:notesSz cx="6858000" cy="9144000"/>
@@ -3341,7 +3344,7 @@
           <p:cNvPr id="0" name="slide1">
             <a:extLst>
               <a:ext uri="{FF2B5EF4-FFF2-40B4-BE49-F238E27FC236}">
-                <a16:creationId xmlns:a16="http://schemas.microsoft.com/office/drawing/2014/main" id="{FB536474-FE3A-439A-8FF8-7EB24F215383}"/>
+                <a16:creationId xmlns:a16="http://schemas.microsoft.com/office/drawing/2014/main" id="{30FAE245-325A-4D18-9568-60AEC3670009}"/>
               </a:ext>
             </a:extLst>
           </p:cNvPr>
@@ -3369,7 +3372,7 @@
           <p:cNvPr id="1" name="slide1">
             <a:extLst>
               <a:ext uri="{FF2B5EF4-FFF2-40B4-BE49-F238E27FC236}">
-                <a16:creationId xmlns:a16="http://schemas.microsoft.com/office/drawing/2014/main" id="{5FA5E3B0-27BB-4C49-8D10-B603DFAE78BE}"/>
+                <a16:creationId xmlns:a16="http://schemas.microsoft.com/office/drawing/2014/main" id="{A7D74480-B8BC-4347-8148-AE802CB3C2BC}"/>
               </a:ext>
             </a:extLst>
           </p:cNvPr>
@@ -3387,7 +3390,7 @@
           <a:p>
             <a:r>
               <a:rPr/>
-              <a:t>File created on: 05.05.19 21:05:38 GMT+02:00</a:t>
+              <a:t>File created on: 07.05.19 11:11:07 GMT+02:00</a:t>
             </a:r>
           </a:p>
         </p:txBody>
@@ -3427,7 +3430,7 @@
           <p:cNvPr id="10" name="slide10">
             <a:extLst>
               <a:ext uri="{FF2B5EF4-FFF2-40B4-BE49-F238E27FC236}">
-                <a16:creationId xmlns:a16="http://schemas.microsoft.com/office/drawing/2014/main" id="{F1A92E68-D91E-42D1-9496-3F4BFB21E04E}"/>
+                <a16:creationId xmlns:a16="http://schemas.microsoft.com/office/drawing/2014/main" id="{FA21DB9E-A5AE-4A4E-B00E-D5D8A62DE4E5}"/>
               </a:ext>
             </a:extLst>
           </p:cNvPr>
@@ -3493,7 +3496,7 @@
           <p:cNvPr id="11" name="slide11">
             <a:extLst>
               <a:ext uri="{FF2B5EF4-FFF2-40B4-BE49-F238E27FC236}">
-                <a16:creationId xmlns:a16="http://schemas.microsoft.com/office/drawing/2014/main" id="{570783B7-CDBB-470B-9311-C87342FD701C}"/>
+                <a16:creationId xmlns:a16="http://schemas.microsoft.com/office/drawing/2014/main" id="{D6C3387C-01CD-44B6-8E23-D950C52F7B1B}"/>
               </a:ext>
             </a:extLst>
           </p:cNvPr>
@@ -3559,7 +3562,7 @@
           <p:cNvPr id="12" name="slide12">
             <a:extLst>
               <a:ext uri="{FF2B5EF4-FFF2-40B4-BE49-F238E27FC236}">
-                <a16:creationId xmlns:a16="http://schemas.microsoft.com/office/drawing/2014/main" id="{D7367D89-9CEC-4903-8D2B-F3C977FAEECA}"/>
+                <a16:creationId xmlns:a16="http://schemas.microsoft.com/office/drawing/2014/main" id="{3A4A3D46-A0BC-4C52-9D4E-7087139D92DD}"/>
               </a:ext>
             </a:extLst>
           </p:cNvPr>
@@ -3625,7 +3628,7 @@
           <p:cNvPr id="13" name="slide13">
             <a:extLst>
               <a:ext uri="{FF2B5EF4-FFF2-40B4-BE49-F238E27FC236}">
-                <a16:creationId xmlns:a16="http://schemas.microsoft.com/office/drawing/2014/main" id="{8DF4D4BA-7C6C-4963-AAF5-74CB2CB0D13B}"/>
+                <a16:creationId xmlns:a16="http://schemas.microsoft.com/office/drawing/2014/main" id="{CA7ABBAF-7017-4C0B-8125-6E6C84EF9395}"/>
               </a:ext>
             </a:extLst>
           </p:cNvPr>
@@ -3691,7 +3694,7 @@
           <p:cNvPr id="14" name="slide14">
             <a:extLst>
               <a:ext uri="{FF2B5EF4-FFF2-40B4-BE49-F238E27FC236}">
-                <a16:creationId xmlns:a16="http://schemas.microsoft.com/office/drawing/2014/main" id="{2932D78A-CA37-455F-B9F0-4858BDCE32A7}"/>
+                <a16:creationId xmlns:a16="http://schemas.microsoft.com/office/drawing/2014/main" id="{4F2EEB42-2B26-401C-8BD1-3EE828FB9750}"/>
               </a:ext>
             </a:extLst>
           </p:cNvPr>
@@ -3757,7 +3760,7 @@
           <p:cNvPr id="15" name="slide15">
             <a:extLst>
               <a:ext uri="{FF2B5EF4-FFF2-40B4-BE49-F238E27FC236}">
-                <a16:creationId xmlns:a16="http://schemas.microsoft.com/office/drawing/2014/main" id="{D17FB3E6-2EC9-45A4-B5AC-5F4E5CF664F2}"/>
+                <a16:creationId xmlns:a16="http://schemas.microsoft.com/office/drawing/2014/main" id="{C949168D-A453-4AF2-9777-FA6D4D00AAAF}"/>
               </a:ext>
             </a:extLst>
           </p:cNvPr>
@@ -3823,7 +3826,7 @@
           <p:cNvPr id="16" name="slide16">
             <a:extLst>
               <a:ext uri="{FF2B5EF4-FFF2-40B4-BE49-F238E27FC236}">
-                <a16:creationId xmlns:a16="http://schemas.microsoft.com/office/drawing/2014/main" id="{8524EBF0-8B96-4841-8732-8E3C6C39E6B4}"/>
+                <a16:creationId xmlns:a16="http://schemas.microsoft.com/office/drawing/2014/main" id="{BCF7B236-0152-4645-88CF-8C355FF180B3}"/>
               </a:ext>
             </a:extLst>
           </p:cNvPr>
@@ -3848,6 +3851,204 @@
           <a:xfrm>
             <a:off x="1640173" y="0"/>
             <a:ext cx="8911653" cy="6858000"/>
+          </a:xfrm>
+          <a:prstGeom prst="rect">
+            <a:avLst/>
+          </a:prstGeom>
+        </p:spPr>
+      </p:pic>
+    </p:spTree>
+    <p:extLst>
+      <p:ext uri="{BB962C8B-B14F-4D97-AF65-F5344CB8AC3E}">
+        <p14:creationId xmlns:p14="http://schemas.microsoft.com/office/powerpoint/2010/main" val="95992585"/>
+      </p:ext>
+    </p:extLst>
+  </p:cSld>
+  <p:clrMapOvr>
+    <a:masterClrMapping/>
+  </p:clrMapOvr>
+</p:sld>
+</file>
+
+<file path=ppt/slides/slide17.xml><?xml version="1.0" encoding="utf-8"?>
+<p:sld xmlns:a="http://schemas.openxmlformats.org/drawingml/2006/main" xmlns:p="http://schemas.openxmlformats.org/presentationml/2006/main" xmlns:r="http://schemas.openxmlformats.org/officeDocument/2006/relationships">
+  <p:cSld>
+    <p:spTree>
+      <p:nvGrpSpPr>
+        <p:cNvPr id="1" name=""/>
+        <p:cNvGrpSpPr/>
+        <p:nvPr/>
+      </p:nvGrpSpPr>
+      <p:grpSpPr>
+        <a:xfrm>
+          <a:off x="0" y="0"/>
+          <a:ext cx="0" cy="0"/>
+          <a:chOff x="0" y="0"/>
+          <a:chExt cx="0" cy="0"/>
+        </a:xfrm>
+      </p:grpSpPr>
+      <p:pic>
+        <p:nvPicPr>
+          <p:cNvPr id="17" name="slide17">
+            <a:extLst>
+              <a:ext uri="{FF2B5EF4-FFF2-40B4-BE49-F238E27FC236}">
+                <a16:creationId xmlns:a16="http://schemas.microsoft.com/office/drawing/2014/main" id="{4E98B82A-BF92-4A66-85F4-6F1308BCA32F}"/>
+              </a:ext>
+            </a:extLst>
+          </p:cNvPr>
+          <p:cNvPicPr>
+            <a:picLocks noChangeAspect="1"/>
+          </p:cNvPicPr>
+          <p:nvPr/>
+        </p:nvPicPr>
+        <p:blipFill>
+          <a:blip r:embed="rId22">
+            <a:extLst>
+              <a:ext uri="{28A0092B-C50C-407E-A947-70E740481C1C}">
+                <a14:useLocalDpi xmlns:a14="http://schemas.microsoft.com/office/drawing/2010/main" val="0"/>
+              </a:ext>
+            </a:extLst>
+          </a:blip>
+          <a:stretch>
+            <a:fillRect/>
+          </a:stretch>
+        </p:blipFill>
+        <p:spPr>
+          <a:xfrm>
+            <a:off x="2505075" y="2219325"/>
+            <a:ext cx="7181850" cy="2419350"/>
+          </a:xfrm>
+          <a:prstGeom prst="rect">
+            <a:avLst/>
+          </a:prstGeom>
+        </p:spPr>
+      </p:pic>
+    </p:spTree>
+    <p:extLst>
+      <p:ext uri="{BB962C8B-B14F-4D97-AF65-F5344CB8AC3E}">
+        <p14:creationId xmlns:p14="http://schemas.microsoft.com/office/powerpoint/2010/main" val="95992585"/>
+      </p:ext>
+    </p:extLst>
+  </p:cSld>
+  <p:clrMapOvr>
+    <a:masterClrMapping/>
+  </p:clrMapOvr>
+</p:sld>
+</file>
+
+<file path=ppt/slides/slide18.xml><?xml version="1.0" encoding="utf-8"?>
+<p:sld xmlns:a="http://schemas.openxmlformats.org/drawingml/2006/main" xmlns:p="http://schemas.openxmlformats.org/presentationml/2006/main" xmlns:r="http://schemas.openxmlformats.org/officeDocument/2006/relationships">
+  <p:cSld>
+    <p:spTree>
+      <p:nvGrpSpPr>
+        <p:cNvPr id="1" name=""/>
+        <p:cNvGrpSpPr/>
+        <p:nvPr/>
+      </p:nvGrpSpPr>
+      <p:grpSpPr>
+        <a:xfrm>
+          <a:off x="0" y="0"/>
+          <a:ext cx="0" cy="0"/>
+          <a:chOff x="0" y="0"/>
+          <a:chExt cx="0" cy="0"/>
+        </a:xfrm>
+      </p:grpSpPr>
+      <p:pic>
+        <p:nvPicPr>
+          <p:cNvPr id="18" name="slide18">
+            <a:extLst>
+              <a:ext uri="{FF2B5EF4-FFF2-40B4-BE49-F238E27FC236}">
+                <a16:creationId xmlns:a16="http://schemas.microsoft.com/office/drawing/2014/main" id="{9D116ACC-C3A7-4FCF-BFCF-91546E26F8C3}"/>
+              </a:ext>
+            </a:extLst>
+          </p:cNvPr>
+          <p:cNvPicPr>
+            <a:picLocks noChangeAspect="1"/>
+          </p:cNvPicPr>
+          <p:nvPr/>
+        </p:nvPicPr>
+        <p:blipFill>
+          <a:blip r:embed="rId23">
+            <a:extLst>
+              <a:ext uri="{28A0092B-C50C-407E-A947-70E740481C1C}">
+                <a14:useLocalDpi xmlns:a14="http://schemas.microsoft.com/office/drawing/2010/main" val="0"/>
+              </a:ext>
+            </a:extLst>
+          </a:blip>
+          <a:stretch>
+            <a:fillRect/>
+          </a:stretch>
+        </p:blipFill>
+        <p:spPr>
+          <a:xfrm>
+            <a:off x="780483" y="0"/>
+            <a:ext cx="10631034" cy="6858000"/>
+          </a:xfrm>
+          <a:prstGeom prst="rect">
+            <a:avLst/>
+          </a:prstGeom>
+        </p:spPr>
+      </p:pic>
+    </p:spTree>
+    <p:extLst>
+      <p:ext uri="{BB962C8B-B14F-4D97-AF65-F5344CB8AC3E}">
+        <p14:creationId xmlns:p14="http://schemas.microsoft.com/office/powerpoint/2010/main" val="95992585"/>
+      </p:ext>
+    </p:extLst>
+  </p:cSld>
+  <p:clrMapOvr>
+    <a:masterClrMapping/>
+  </p:clrMapOvr>
+</p:sld>
+</file>
+
+<file path=ppt/slides/slide19.xml><?xml version="1.0" encoding="utf-8"?>
+<p:sld xmlns:a="http://schemas.openxmlformats.org/drawingml/2006/main" xmlns:p="http://schemas.openxmlformats.org/presentationml/2006/main" xmlns:r="http://schemas.openxmlformats.org/officeDocument/2006/relationships">
+  <p:cSld>
+    <p:spTree>
+      <p:nvGrpSpPr>
+        <p:cNvPr id="1" name=""/>
+        <p:cNvGrpSpPr/>
+        <p:nvPr/>
+      </p:nvGrpSpPr>
+      <p:grpSpPr>
+        <a:xfrm>
+          <a:off x="0" y="0"/>
+          <a:ext cx="0" cy="0"/>
+          <a:chOff x="0" y="0"/>
+          <a:chExt cx="0" cy="0"/>
+        </a:xfrm>
+      </p:grpSpPr>
+      <p:pic>
+        <p:nvPicPr>
+          <p:cNvPr id="19" name="slide19">
+            <a:extLst>
+              <a:ext uri="{FF2B5EF4-FFF2-40B4-BE49-F238E27FC236}">
+                <a16:creationId xmlns:a16="http://schemas.microsoft.com/office/drawing/2014/main" id="{6DD7ABF4-49F7-4427-A0C6-C55E186CC1CF}"/>
+              </a:ext>
+            </a:extLst>
+          </p:cNvPr>
+          <p:cNvPicPr>
+            <a:picLocks noChangeAspect="1"/>
+          </p:cNvPicPr>
+          <p:nvPr/>
+        </p:nvPicPr>
+        <p:blipFill>
+          <a:blip r:embed="rId24">
+            <a:extLst>
+              <a:ext uri="{28A0092B-C50C-407E-A947-70E740481C1C}">
+                <a14:useLocalDpi xmlns:a14="http://schemas.microsoft.com/office/drawing/2010/main" val="0"/>
+              </a:ext>
+            </a:extLst>
+          </a:blip>
+          <a:stretch>
+            <a:fillRect/>
+          </a:stretch>
+        </p:blipFill>
+        <p:spPr>
+          <a:xfrm>
+            <a:off x="752006" y="0"/>
+            <a:ext cx="10687987" cy="6858000"/>
           </a:xfrm>
           <a:prstGeom prst="rect">
             <a:avLst/>
@@ -3889,7 +4090,7 @@
           <p:cNvPr id="2" name="slide2">
             <a:extLst>
               <a:ext uri="{FF2B5EF4-FFF2-40B4-BE49-F238E27FC236}">
-                <a16:creationId xmlns:a16="http://schemas.microsoft.com/office/drawing/2014/main" id="{EC87B286-69C4-450D-93A2-193E93F5CC14}"/>
+                <a16:creationId xmlns:a16="http://schemas.microsoft.com/office/drawing/2014/main" id="{3B495A8C-852E-45B0-9BD5-58BBD9F869E2}"/>
               </a:ext>
             </a:extLst>
           </p:cNvPr>
@@ -3955,7 +4156,7 @@
           <p:cNvPr id="3" name="slide3">
             <a:extLst>
               <a:ext uri="{FF2B5EF4-FFF2-40B4-BE49-F238E27FC236}">
-                <a16:creationId xmlns:a16="http://schemas.microsoft.com/office/drawing/2014/main" id="{10E3A02B-7067-4017-8795-37FFF9E88DDD}"/>
+                <a16:creationId xmlns:a16="http://schemas.microsoft.com/office/drawing/2014/main" id="{653E5538-616A-4BCB-94A2-A405F3940CA2}"/>
               </a:ext>
             </a:extLst>
           </p:cNvPr>
@@ -4021,7 +4222,7 @@
           <p:cNvPr id="4" name="slide4">
             <a:extLst>
               <a:ext uri="{FF2B5EF4-FFF2-40B4-BE49-F238E27FC236}">
-                <a16:creationId xmlns:a16="http://schemas.microsoft.com/office/drawing/2014/main" id="{5470D8DC-8278-4C94-AB2C-4DD81A16F65E}"/>
+                <a16:creationId xmlns:a16="http://schemas.microsoft.com/office/drawing/2014/main" id="{DD9DA074-8028-4689-B84F-BC62E48CF9AA}"/>
               </a:ext>
             </a:extLst>
           </p:cNvPr>
@@ -4044,8 +4245,8 @@
         </p:blipFill>
         <p:spPr>
           <a:xfrm>
-            <a:off x="1538796" y="0"/>
-            <a:ext cx="9114408" cy="6858000"/>
+            <a:off x="1479029" y="0"/>
+            <a:ext cx="9233941" cy="6858000"/>
           </a:xfrm>
           <a:prstGeom prst="rect">
             <a:avLst/>
@@ -4087,7 +4288,7 @@
           <p:cNvPr id="5" name="slide5">
             <a:extLst>
               <a:ext uri="{FF2B5EF4-FFF2-40B4-BE49-F238E27FC236}">
-                <a16:creationId xmlns:a16="http://schemas.microsoft.com/office/drawing/2014/main" id="{B4BAA341-3E1F-48F4-9ADA-CBCB8CDF4CF7}"/>
+                <a16:creationId xmlns:a16="http://schemas.microsoft.com/office/drawing/2014/main" id="{8A1995C4-6AEC-4948-BF41-0B0FDCA205F5}"/>
               </a:ext>
             </a:extLst>
           </p:cNvPr>
@@ -4153,7 +4354,7 @@
           <p:cNvPr id="6" name="slide6">
             <a:extLst>
               <a:ext uri="{FF2B5EF4-FFF2-40B4-BE49-F238E27FC236}">
-                <a16:creationId xmlns:a16="http://schemas.microsoft.com/office/drawing/2014/main" id="{FCAAB143-61C0-4393-8C91-7EECDA89EEDD}"/>
+                <a16:creationId xmlns:a16="http://schemas.microsoft.com/office/drawing/2014/main" id="{140A5DF1-1867-4763-88AF-2512C43F00BD}"/>
               </a:ext>
             </a:extLst>
           </p:cNvPr>
@@ -4219,7 +4420,7 @@
           <p:cNvPr id="7" name="slide7">
             <a:extLst>
               <a:ext uri="{FF2B5EF4-FFF2-40B4-BE49-F238E27FC236}">
-                <a16:creationId xmlns:a16="http://schemas.microsoft.com/office/drawing/2014/main" id="{2170909F-2759-498D-9956-E9D779EEE442}"/>
+                <a16:creationId xmlns:a16="http://schemas.microsoft.com/office/drawing/2014/main" id="{9790BF2E-CE37-42B1-9E01-EFEE7E2B5536}"/>
               </a:ext>
             </a:extLst>
           </p:cNvPr>
@@ -4285,7 +4486,7 @@
           <p:cNvPr id="8" name="slide8">
             <a:extLst>
               <a:ext uri="{FF2B5EF4-FFF2-40B4-BE49-F238E27FC236}">
-                <a16:creationId xmlns:a16="http://schemas.microsoft.com/office/drawing/2014/main" id="{2B4BE9E0-EE38-4A53-86D1-754E7C854D29}"/>
+                <a16:creationId xmlns:a16="http://schemas.microsoft.com/office/drawing/2014/main" id="{D926DE71-556E-4A8E-A0AA-E5D411351FE2}"/>
               </a:ext>
             </a:extLst>
           </p:cNvPr>
@@ -4351,7 +4552,7 @@
           <p:cNvPr id="9" name="slide9">
             <a:extLst>
               <a:ext uri="{FF2B5EF4-FFF2-40B4-BE49-F238E27FC236}">
-                <a16:creationId xmlns:a16="http://schemas.microsoft.com/office/drawing/2014/main" id="{CE9FAA49-F4F2-4305-84AC-A6E7A6182272}"/>
+                <a16:creationId xmlns:a16="http://schemas.microsoft.com/office/drawing/2014/main" id="{94E58B30-506C-497D-AEE2-6D9F218534E4}"/>
               </a:ext>
             </a:extLst>
           </p:cNvPr>

--- a/Project/HR.pptx
+++ b/Project/HR.pptx
@@ -24,6 +24,9 @@
     <p:sldId id="272" r:id="rId22"/>
     <p:sldId id="273" r:id="rId23"/>
     <p:sldId id="274" r:id="rId24"/>
+    <p:sldId id="275" r:id="rId25"/>
+    <p:sldId id="276" r:id="rId26"/>
+    <p:sldId id="277" r:id="rId27"/>
   </p:sldIdLst>
   <p:sldSz cx="12192000" cy="6858000"/>
   <p:notesSz cx="6858000" cy="9144000"/>
@@ -3344,7 +3347,7 @@
           <p:cNvPr id="0" name="slide1">
             <a:extLst>
               <a:ext uri="{FF2B5EF4-FFF2-40B4-BE49-F238E27FC236}">
-                <a16:creationId xmlns:a16="http://schemas.microsoft.com/office/drawing/2014/main" id="{30FAE245-325A-4D18-9568-60AEC3670009}"/>
+                <a16:creationId xmlns:a16="http://schemas.microsoft.com/office/drawing/2014/main" id="{7666C135-9216-4C09-94B8-17FFE8ABD29A}"/>
               </a:ext>
             </a:extLst>
           </p:cNvPr>
@@ -3372,7 +3375,7 @@
           <p:cNvPr id="1" name="slide1">
             <a:extLst>
               <a:ext uri="{FF2B5EF4-FFF2-40B4-BE49-F238E27FC236}">
-                <a16:creationId xmlns:a16="http://schemas.microsoft.com/office/drawing/2014/main" id="{A7D74480-B8BC-4347-8148-AE802CB3C2BC}"/>
+                <a16:creationId xmlns:a16="http://schemas.microsoft.com/office/drawing/2014/main" id="{39CF8594-4CC6-48F4-A6BD-6D0C7F36C200}"/>
               </a:ext>
             </a:extLst>
           </p:cNvPr>
@@ -3390,7 +3393,7 @@
           <a:p>
             <a:r>
               <a:rPr/>
-              <a:t>File created on: 07.05.19 11:11:07 GMT+02:00</a:t>
+              <a:t>File created on: 10.05.19 16:15:19 GMT+02:00</a:t>
             </a:r>
           </a:p>
         </p:txBody>
@@ -3430,7 +3433,7 @@
           <p:cNvPr id="10" name="slide10">
             <a:extLst>
               <a:ext uri="{FF2B5EF4-FFF2-40B4-BE49-F238E27FC236}">
-                <a16:creationId xmlns:a16="http://schemas.microsoft.com/office/drawing/2014/main" id="{FA21DB9E-A5AE-4A4E-B00E-D5D8A62DE4E5}"/>
+                <a16:creationId xmlns:a16="http://schemas.microsoft.com/office/drawing/2014/main" id="{4209F2F4-79DC-40C6-B260-0E5DF1EA83FA}"/>
               </a:ext>
             </a:extLst>
           </p:cNvPr>
@@ -3496,7 +3499,7 @@
           <p:cNvPr id="11" name="slide11">
             <a:extLst>
               <a:ext uri="{FF2B5EF4-FFF2-40B4-BE49-F238E27FC236}">
-                <a16:creationId xmlns:a16="http://schemas.microsoft.com/office/drawing/2014/main" id="{D6C3387C-01CD-44B6-8E23-D950C52F7B1B}"/>
+                <a16:creationId xmlns:a16="http://schemas.microsoft.com/office/drawing/2014/main" id="{C4460B8A-1495-42F2-99B8-27FEDD1BE9EC}"/>
               </a:ext>
             </a:extLst>
           </p:cNvPr>
@@ -3562,7 +3565,7 @@
           <p:cNvPr id="12" name="slide12">
             <a:extLst>
               <a:ext uri="{FF2B5EF4-FFF2-40B4-BE49-F238E27FC236}">
-                <a16:creationId xmlns:a16="http://schemas.microsoft.com/office/drawing/2014/main" id="{3A4A3D46-A0BC-4C52-9D4E-7087139D92DD}"/>
+                <a16:creationId xmlns:a16="http://schemas.microsoft.com/office/drawing/2014/main" id="{1484E412-B4B9-4154-9986-7E036F9E456A}"/>
               </a:ext>
             </a:extLst>
           </p:cNvPr>
@@ -3628,7 +3631,7 @@
           <p:cNvPr id="13" name="slide13">
             <a:extLst>
               <a:ext uri="{FF2B5EF4-FFF2-40B4-BE49-F238E27FC236}">
-                <a16:creationId xmlns:a16="http://schemas.microsoft.com/office/drawing/2014/main" id="{CA7ABBAF-7017-4C0B-8125-6E6C84EF9395}"/>
+                <a16:creationId xmlns:a16="http://schemas.microsoft.com/office/drawing/2014/main" id="{7100E142-53C4-4526-8638-D500C1C13E60}"/>
               </a:ext>
             </a:extLst>
           </p:cNvPr>
@@ -3694,7 +3697,7 @@
           <p:cNvPr id="14" name="slide14">
             <a:extLst>
               <a:ext uri="{FF2B5EF4-FFF2-40B4-BE49-F238E27FC236}">
-                <a16:creationId xmlns:a16="http://schemas.microsoft.com/office/drawing/2014/main" id="{4F2EEB42-2B26-401C-8BD1-3EE828FB9750}"/>
+                <a16:creationId xmlns:a16="http://schemas.microsoft.com/office/drawing/2014/main" id="{E25EC573-796E-4601-8386-E4179579A63B}"/>
               </a:ext>
             </a:extLst>
           </p:cNvPr>
@@ -3717,8 +3720,8 @@
         </p:blipFill>
         <p:spPr>
           <a:xfrm>
-            <a:off x="853190" y="0"/>
-            <a:ext cx="10485620" cy="6858000"/>
+            <a:off x="921058" y="0"/>
+            <a:ext cx="10349883" cy="6858000"/>
           </a:xfrm>
           <a:prstGeom prst="rect">
             <a:avLst/>
@@ -3760,7 +3763,7 @@
           <p:cNvPr id="15" name="slide15">
             <a:extLst>
               <a:ext uri="{FF2B5EF4-FFF2-40B4-BE49-F238E27FC236}">
-                <a16:creationId xmlns:a16="http://schemas.microsoft.com/office/drawing/2014/main" id="{C949168D-A453-4AF2-9777-FA6D4D00AAAF}"/>
+                <a16:creationId xmlns:a16="http://schemas.microsoft.com/office/drawing/2014/main" id="{0CC5926C-A612-4856-AC86-02FB4A884000}"/>
               </a:ext>
             </a:extLst>
           </p:cNvPr>
@@ -3826,7 +3829,7 @@
           <p:cNvPr id="16" name="slide16">
             <a:extLst>
               <a:ext uri="{FF2B5EF4-FFF2-40B4-BE49-F238E27FC236}">
-                <a16:creationId xmlns:a16="http://schemas.microsoft.com/office/drawing/2014/main" id="{BCF7B236-0152-4645-88CF-8C355FF180B3}"/>
+                <a16:creationId xmlns:a16="http://schemas.microsoft.com/office/drawing/2014/main" id="{3AB939D8-FE6E-45D7-B2C8-ACDE1C709D42}"/>
               </a:ext>
             </a:extLst>
           </p:cNvPr>
@@ -3892,7 +3895,7 @@
           <p:cNvPr id="17" name="slide17">
             <a:extLst>
               <a:ext uri="{FF2B5EF4-FFF2-40B4-BE49-F238E27FC236}">
-                <a16:creationId xmlns:a16="http://schemas.microsoft.com/office/drawing/2014/main" id="{4E98B82A-BF92-4A66-85F4-6F1308BCA32F}"/>
+                <a16:creationId xmlns:a16="http://schemas.microsoft.com/office/drawing/2014/main" id="{8ACCFB75-AD80-4585-B157-406E970D2E3D}"/>
               </a:ext>
             </a:extLst>
           </p:cNvPr>
@@ -3915,8 +3918,8 @@
         </p:blipFill>
         <p:spPr>
           <a:xfrm>
-            <a:off x="2505075" y="2219325"/>
-            <a:ext cx="7181850" cy="2419350"/>
+            <a:off x="2090737" y="2057400"/>
+            <a:ext cx="8010525" cy="2743200"/>
           </a:xfrm>
           <a:prstGeom prst="rect">
             <a:avLst/>
@@ -3958,7 +3961,7 @@
           <p:cNvPr id="18" name="slide18">
             <a:extLst>
               <a:ext uri="{FF2B5EF4-FFF2-40B4-BE49-F238E27FC236}">
-                <a16:creationId xmlns:a16="http://schemas.microsoft.com/office/drawing/2014/main" id="{9D116ACC-C3A7-4FCF-BFCF-91546E26F8C3}"/>
+                <a16:creationId xmlns:a16="http://schemas.microsoft.com/office/drawing/2014/main" id="{BBED0D4A-0B94-49F3-AC5D-8E9BCED7DF4A}"/>
               </a:ext>
             </a:extLst>
           </p:cNvPr>
@@ -3981,8 +3984,8 @@
         </p:blipFill>
         <p:spPr>
           <a:xfrm>
-            <a:off x="780483" y="0"/>
-            <a:ext cx="10631034" cy="6858000"/>
+            <a:off x="693529" y="0"/>
+            <a:ext cx="10804942" cy="6858000"/>
           </a:xfrm>
           <a:prstGeom prst="rect">
             <a:avLst/>
@@ -4024,7 +4027,7 @@
           <p:cNvPr id="19" name="slide19">
             <a:extLst>
               <a:ext uri="{FF2B5EF4-FFF2-40B4-BE49-F238E27FC236}">
-                <a16:creationId xmlns:a16="http://schemas.microsoft.com/office/drawing/2014/main" id="{6DD7ABF4-49F7-4427-A0C6-C55E186CC1CF}"/>
+                <a16:creationId xmlns:a16="http://schemas.microsoft.com/office/drawing/2014/main" id="{6948B7A0-4DFC-488B-A532-1207045DE5BB}"/>
               </a:ext>
             </a:extLst>
           </p:cNvPr>
@@ -4047,8 +4050,8 @@
         </p:blipFill>
         <p:spPr>
           <a:xfrm>
-            <a:off x="752006" y="0"/>
-            <a:ext cx="10687987" cy="6858000"/>
+            <a:off x="755754" y="0"/>
+            <a:ext cx="10680492" cy="6858000"/>
           </a:xfrm>
           <a:prstGeom prst="rect">
             <a:avLst/>
@@ -4090,7 +4093,7 @@
           <p:cNvPr id="2" name="slide2">
             <a:extLst>
               <a:ext uri="{FF2B5EF4-FFF2-40B4-BE49-F238E27FC236}">
-                <a16:creationId xmlns:a16="http://schemas.microsoft.com/office/drawing/2014/main" id="{3B495A8C-852E-45B0-9BD5-58BBD9F869E2}"/>
+                <a16:creationId xmlns:a16="http://schemas.microsoft.com/office/drawing/2014/main" id="{37F6675F-44FB-4F1F-9231-5339BB9A3528}"/>
               </a:ext>
             </a:extLst>
           </p:cNvPr>
@@ -4113,8 +4116,206 @@
         </p:blipFill>
         <p:spPr>
           <a:xfrm>
-            <a:off x="946235" y="0"/>
-            <a:ext cx="10299530" cy="6858000"/>
+            <a:off x="1020421" y="0"/>
+            <a:ext cx="10151157" cy="6858000"/>
+          </a:xfrm>
+          <a:prstGeom prst="rect">
+            <a:avLst/>
+          </a:prstGeom>
+        </p:spPr>
+      </p:pic>
+    </p:spTree>
+    <p:extLst>
+      <p:ext uri="{BB962C8B-B14F-4D97-AF65-F5344CB8AC3E}">
+        <p14:creationId xmlns:p14="http://schemas.microsoft.com/office/powerpoint/2010/main" val="95992585"/>
+      </p:ext>
+    </p:extLst>
+  </p:cSld>
+  <p:clrMapOvr>
+    <a:masterClrMapping/>
+  </p:clrMapOvr>
+</p:sld>
+</file>
+
+<file path=ppt/slides/slide20.xml><?xml version="1.0" encoding="utf-8"?>
+<p:sld xmlns:a="http://schemas.openxmlformats.org/drawingml/2006/main" xmlns:p="http://schemas.openxmlformats.org/presentationml/2006/main" xmlns:r="http://schemas.openxmlformats.org/officeDocument/2006/relationships">
+  <p:cSld>
+    <p:spTree>
+      <p:nvGrpSpPr>
+        <p:cNvPr id="1" name=""/>
+        <p:cNvGrpSpPr/>
+        <p:nvPr/>
+      </p:nvGrpSpPr>
+      <p:grpSpPr>
+        <a:xfrm>
+          <a:off x="0" y="0"/>
+          <a:ext cx="0" cy="0"/>
+          <a:chOff x="0" y="0"/>
+          <a:chExt cx="0" cy="0"/>
+        </a:xfrm>
+      </p:grpSpPr>
+      <p:pic>
+        <p:nvPicPr>
+          <p:cNvPr id="20" name="slide20">
+            <a:extLst>
+              <a:ext uri="{FF2B5EF4-FFF2-40B4-BE49-F238E27FC236}">
+                <a16:creationId xmlns:a16="http://schemas.microsoft.com/office/drawing/2014/main" id="{3B7A91EE-041D-467F-AEBE-6327E49AB2C2}"/>
+              </a:ext>
+            </a:extLst>
+          </p:cNvPr>
+          <p:cNvPicPr>
+            <a:picLocks noChangeAspect="1"/>
+          </p:cNvPicPr>
+          <p:nvPr/>
+        </p:nvPicPr>
+        <p:blipFill>
+          <a:blip r:embed="rId25">
+            <a:extLst>
+              <a:ext uri="{28A0092B-C50C-407E-A947-70E740481C1C}">
+                <a14:useLocalDpi xmlns:a14="http://schemas.microsoft.com/office/drawing/2010/main" val="0"/>
+              </a:ext>
+            </a:extLst>
+          </a:blip>
+          <a:stretch>
+            <a:fillRect/>
+          </a:stretch>
+        </p:blipFill>
+        <p:spPr>
+          <a:xfrm>
+            <a:off x="5575092" y="0"/>
+            <a:ext cx="1041816" cy="6858000"/>
+          </a:xfrm>
+          <a:prstGeom prst="rect">
+            <a:avLst/>
+          </a:prstGeom>
+        </p:spPr>
+      </p:pic>
+    </p:spTree>
+    <p:extLst>
+      <p:ext uri="{BB962C8B-B14F-4D97-AF65-F5344CB8AC3E}">
+        <p14:creationId xmlns:p14="http://schemas.microsoft.com/office/powerpoint/2010/main" val="95992585"/>
+      </p:ext>
+    </p:extLst>
+  </p:cSld>
+  <p:clrMapOvr>
+    <a:masterClrMapping/>
+  </p:clrMapOvr>
+</p:sld>
+</file>
+
+<file path=ppt/slides/slide21.xml><?xml version="1.0" encoding="utf-8"?>
+<p:sld xmlns:a="http://schemas.openxmlformats.org/drawingml/2006/main" xmlns:p="http://schemas.openxmlformats.org/presentationml/2006/main" xmlns:r="http://schemas.openxmlformats.org/officeDocument/2006/relationships">
+  <p:cSld>
+    <p:spTree>
+      <p:nvGrpSpPr>
+        <p:cNvPr id="1" name=""/>
+        <p:cNvGrpSpPr/>
+        <p:nvPr/>
+      </p:nvGrpSpPr>
+      <p:grpSpPr>
+        <a:xfrm>
+          <a:off x="0" y="0"/>
+          <a:ext cx="0" cy="0"/>
+          <a:chOff x="0" y="0"/>
+          <a:chExt cx="0" cy="0"/>
+        </a:xfrm>
+      </p:grpSpPr>
+      <p:pic>
+        <p:nvPicPr>
+          <p:cNvPr id="21" name="slide21">
+            <a:extLst>
+              <a:ext uri="{FF2B5EF4-FFF2-40B4-BE49-F238E27FC236}">
+                <a16:creationId xmlns:a16="http://schemas.microsoft.com/office/drawing/2014/main" id="{DA736BF4-DAE6-4138-B390-1360F3328AEB}"/>
+              </a:ext>
+            </a:extLst>
+          </p:cNvPr>
+          <p:cNvPicPr>
+            <a:picLocks noChangeAspect="1"/>
+          </p:cNvPicPr>
+          <p:nvPr/>
+        </p:nvPicPr>
+        <p:blipFill>
+          <a:blip r:embed="rId26">
+            <a:extLst>
+              <a:ext uri="{28A0092B-C50C-407E-A947-70E740481C1C}">
+                <a14:useLocalDpi xmlns:a14="http://schemas.microsoft.com/office/drawing/2010/main" val="0"/>
+              </a:ext>
+            </a:extLst>
+          </a:blip>
+          <a:stretch>
+            <a:fillRect/>
+          </a:stretch>
+        </p:blipFill>
+        <p:spPr>
+          <a:xfrm>
+            <a:off x="853190" y="0"/>
+            <a:ext cx="10485620" cy="6858000"/>
+          </a:xfrm>
+          <a:prstGeom prst="rect">
+            <a:avLst/>
+          </a:prstGeom>
+        </p:spPr>
+      </p:pic>
+    </p:spTree>
+    <p:extLst>
+      <p:ext uri="{BB962C8B-B14F-4D97-AF65-F5344CB8AC3E}">
+        <p14:creationId xmlns:p14="http://schemas.microsoft.com/office/powerpoint/2010/main" val="95992585"/>
+      </p:ext>
+    </p:extLst>
+  </p:cSld>
+  <p:clrMapOvr>
+    <a:masterClrMapping/>
+  </p:clrMapOvr>
+</p:sld>
+</file>
+
+<file path=ppt/slides/slide22.xml><?xml version="1.0" encoding="utf-8"?>
+<p:sld xmlns:a="http://schemas.openxmlformats.org/drawingml/2006/main" xmlns:p="http://schemas.openxmlformats.org/presentationml/2006/main" xmlns:r="http://schemas.openxmlformats.org/officeDocument/2006/relationships">
+  <p:cSld>
+    <p:spTree>
+      <p:nvGrpSpPr>
+        <p:cNvPr id="1" name=""/>
+        <p:cNvGrpSpPr/>
+        <p:nvPr/>
+      </p:nvGrpSpPr>
+      <p:grpSpPr>
+        <a:xfrm>
+          <a:off x="0" y="0"/>
+          <a:ext cx="0" cy="0"/>
+          <a:chOff x="0" y="0"/>
+          <a:chExt cx="0" cy="0"/>
+        </a:xfrm>
+      </p:grpSpPr>
+      <p:pic>
+        <p:nvPicPr>
+          <p:cNvPr id="22" name="slide22">
+            <a:extLst>
+              <a:ext uri="{FF2B5EF4-FFF2-40B4-BE49-F238E27FC236}">
+                <a16:creationId xmlns:a16="http://schemas.microsoft.com/office/drawing/2014/main" id="{BE895536-5F78-4528-BB30-10A4229B071D}"/>
+              </a:ext>
+            </a:extLst>
+          </p:cNvPr>
+          <p:cNvPicPr>
+            <a:picLocks noChangeAspect="1"/>
+          </p:cNvPicPr>
+          <p:nvPr/>
+        </p:nvPicPr>
+        <p:blipFill>
+          <a:blip r:embed="rId27">
+            <a:extLst>
+              <a:ext uri="{28A0092B-C50C-407E-A947-70E740481C1C}">
+                <a14:useLocalDpi xmlns:a14="http://schemas.microsoft.com/office/drawing/2010/main" val="0"/>
+              </a:ext>
+            </a:extLst>
+          </a:blip>
+          <a:stretch>
+            <a:fillRect/>
+          </a:stretch>
+        </p:blipFill>
+        <p:spPr>
+          <a:xfrm>
+            <a:off x="1767590" y="0"/>
+            <a:ext cx="8656820" cy="6858000"/>
           </a:xfrm>
           <a:prstGeom prst="rect">
             <a:avLst/>
@@ -4156,7 +4357,7 @@
           <p:cNvPr id="3" name="slide3">
             <a:extLst>
               <a:ext uri="{FF2B5EF4-FFF2-40B4-BE49-F238E27FC236}">
-                <a16:creationId xmlns:a16="http://schemas.microsoft.com/office/drawing/2014/main" id="{653E5538-616A-4BCB-94A2-A405F3940CA2}"/>
+                <a16:creationId xmlns:a16="http://schemas.microsoft.com/office/drawing/2014/main" id="{A8FF1220-86F1-4A93-9003-09E4B404DFCF}"/>
               </a:ext>
             </a:extLst>
           </p:cNvPr>
@@ -4222,7 +4423,7 @@
           <p:cNvPr id="4" name="slide4">
             <a:extLst>
               <a:ext uri="{FF2B5EF4-FFF2-40B4-BE49-F238E27FC236}">
-                <a16:creationId xmlns:a16="http://schemas.microsoft.com/office/drawing/2014/main" id="{DD9DA074-8028-4689-B84F-BC62E48CF9AA}"/>
+                <a16:creationId xmlns:a16="http://schemas.microsoft.com/office/drawing/2014/main" id="{3FC76B27-A5D1-46FA-A31D-4C6001AFF305}"/>
               </a:ext>
             </a:extLst>
           </p:cNvPr>
@@ -4245,8 +4446,8 @@
         </p:blipFill>
         <p:spPr>
           <a:xfrm>
-            <a:off x="1479029" y="0"/>
-            <a:ext cx="9233941" cy="6858000"/>
+            <a:off x="1538796" y="0"/>
+            <a:ext cx="9114408" cy="6858000"/>
           </a:xfrm>
           <a:prstGeom prst="rect">
             <a:avLst/>
@@ -4288,7 +4489,7 @@
           <p:cNvPr id="5" name="slide5">
             <a:extLst>
               <a:ext uri="{FF2B5EF4-FFF2-40B4-BE49-F238E27FC236}">
-                <a16:creationId xmlns:a16="http://schemas.microsoft.com/office/drawing/2014/main" id="{8A1995C4-6AEC-4948-BF41-0B0FDCA205F5}"/>
+                <a16:creationId xmlns:a16="http://schemas.microsoft.com/office/drawing/2014/main" id="{54A06FC4-3753-470C-8C08-93ADAB21AE58}"/>
               </a:ext>
             </a:extLst>
           </p:cNvPr>
@@ -4354,7 +4555,7 @@
           <p:cNvPr id="6" name="slide6">
             <a:extLst>
               <a:ext uri="{FF2B5EF4-FFF2-40B4-BE49-F238E27FC236}">
-                <a16:creationId xmlns:a16="http://schemas.microsoft.com/office/drawing/2014/main" id="{140A5DF1-1867-4763-88AF-2512C43F00BD}"/>
+                <a16:creationId xmlns:a16="http://schemas.microsoft.com/office/drawing/2014/main" id="{11D46CA0-9FA5-4865-A4CD-60796CF87BBE}"/>
               </a:ext>
             </a:extLst>
           </p:cNvPr>
@@ -4420,7 +4621,7 @@
           <p:cNvPr id="7" name="slide7">
             <a:extLst>
               <a:ext uri="{FF2B5EF4-FFF2-40B4-BE49-F238E27FC236}">
-                <a16:creationId xmlns:a16="http://schemas.microsoft.com/office/drawing/2014/main" id="{9790BF2E-CE37-42B1-9E01-EFEE7E2B5536}"/>
+                <a16:creationId xmlns:a16="http://schemas.microsoft.com/office/drawing/2014/main" id="{900675E2-06CB-49E8-86E0-3660A42A5DEB}"/>
               </a:ext>
             </a:extLst>
           </p:cNvPr>
@@ -4486,7 +4687,7 @@
           <p:cNvPr id="8" name="slide8">
             <a:extLst>
               <a:ext uri="{FF2B5EF4-FFF2-40B4-BE49-F238E27FC236}">
-                <a16:creationId xmlns:a16="http://schemas.microsoft.com/office/drawing/2014/main" id="{D926DE71-556E-4A8E-A0AA-E5D411351FE2}"/>
+                <a16:creationId xmlns:a16="http://schemas.microsoft.com/office/drawing/2014/main" id="{EEAB68DA-7034-4BD2-BAD3-8D6C26BDB8D0}"/>
               </a:ext>
             </a:extLst>
           </p:cNvPr>
@@ -4552,7 +4753,7 @@
           <p:cNvPr id="9" name="slide9">
             <a:extLst>
               <a:ext uri="{FF2B5EF4-FFF2-40B4-BE49-F238E27FC236}">
-                <a16:creationId xmlns:a16="http://schemas.microsoft.com/office/drawing/2014/main" id="{94E58B30-506C-497D-AEE2-6D9F218534E4}"/>
+                <a16:creationId xmlns:a16="http://schemas.microsoft.com/office/drawing/2014/main" id="{CF3A3898-1E1F-4EAD-B129-9892B55C93FF}"/>
               </a:ext>
             </a:extLst>
           </p:cNvPr>
